--- a/ToegepasteAnalogeElektronica/PowerPoint/transmissielijn.pptx
+++ b/ToegepasteAnalogeElektronica/PowerPoint/transmissielijn.pptx
@@ -687,7 +687,7 @@
           <a:p>
             <a:fld id="{8F591CCF-F6FD-734B-854A-5BC033593B1E}" type="datetimeFigureOut">
               <a:rPr lang="nl-NL" smtClean="0"/>
-              <a:t>20-9-2025</a:t>
+              <a:t>21-9-2025</a:t>
             </a:fld>
             <a:endParaRPr lang="nl-NL"/>
           </a:p>
@@ -852,7 +852,7 @@
           <a:p>
             <a:fld id="{23C66214-DB21-4647-B5DA-0D17CA592867}" type="datetimeFigureOut">
               <a:rPr lang="nl-NL" smtClean="0"/>
-              <a:t>20-9-2025</a:t>
+              <a:t>21-9-2025</a:t>
             </a:fld>
             <a:endParaRPr lang="nl-NL"/>
           </a:p>
@@ -1463,7 +1463,7 @@
           <a:p>
             <a:fld id="{D15822B7-9EF6-9542-AF10-CD505E021A84}" type="datetime1">
               <a:rPr lang="nl-BE" smtClean="0"/>
-              <a:t>20/09/2025</a:t>
+              <a:t>21/09/2025</a:t>
             </a:fld>
             <a:endParaRPr lang="nl-NL"/>
           </a:p>
@@ -1713,7 +1713,7 @@
           <a:p>
             <a:fld id="{D15822B7-9EF6-9542-AF10-CD505E021A84}" type="datetime1">
               <a:rPr lang="nl-BE" smtClean="0"/>
-              <a:t>20/09/2025</a:t>
+              <a:t>21/09/2025</a:t>
             </a:fld>
             <a:endParaRPr lang="nl-NL"/>
           </a:p>
@@ -1996,7 +1996,7 @@
           <a:p>
             <a:fld id="{F52CA13D-CC20-034F-8D4D-5C3038626ED9}" type="datetime1">
               <a:rPr lang="nl-BE" smtClean="0"/>
-              <a:t>20/09/2025</a:t>
+              <a:t>21/09/2025</a:t>
             </a:fld>
             <a:endParaRPr lang="nl-NL"/>
           </a:p>
@@ -2276,8 +2276,8 @@
         </p:nvSpPr>
         <p:spPr>
           <a:xfrm>
-            <a:off x="576000" y="2232000"/>
-            <a:ext cx="11006400" cy="3820646"/>
+            <a:off x="576000" y="800401"/>
+            <a:ext cx="11006400" cy="5252245"/>
           </a:xfrm>
         </p:spPr>
         <p:txBody>
@@ -2348,7 +2348,7 @@
           <a:p>
             <a:fld id="{F52CA13D-CC20-034F-8D4D-5C3038626ED9}" type="datetime1">
               <a:rPr lang="nl-BE" smtClean="0"/>
-              <a:t>20/09/2025</a:t>
+              <a:t>21/09/2025</a:t>
             </a:fld>
             <a:endParaRPr lang="nl-NL"/>
           </a:p>
@@ -2466,7 +2466,7 @@
         </p:nvSpPr>
         <p:spPr>
           <a:xfrm>
-            <a:off x="576000" y="576001"/>
+            <a:off x="576000" y="4501"/>
             <a:ext cx="11041200" cy="648000"/>
           </a:xfrm>
         </p:spPr>
@@ -2526,8 +2526,8 @@
         </p:nvGrpSpPr>
         <p:grpSpPr>
           <a:xfrm>
-            <a:off x="125506" y="1312858"/>
-            <a:ext cx="11821095" cy="4739788"/>
+            <a:off x="125506" y="731855"/>
+            <a:ext cx="11821095" cy="5320791"/>
             <a:chOff x="0" y="-241102"/>
             <a:chExt cx="23088432" cy="12605757"/>
           </a:xfrm>
@@ -3472,8 +3472,8 @@
         </p:nvSpPr>
         <p:spPr>
           <a:xfrm>
-            <a:off x="245399" y="1810310"/>
-            <a:ext cx="11605942" cy="4175637"/>
+            <a:off x="245399" y="1280788"/>
+            <a:ext cx="11605942" cy="4705159"/>
           </a:xfrm>
           <a:noFill/>
         </p:spPr>
@@ -3581,7 +3581,7 @@
           <a:p>
             <a:fld id="{F52CA13D-CC20-034F-8D4D-5C3038626ED9}" type="datetime1">
               <a:rPr lang="nl-BE" smtClean="0"/>
-              <a:t>20/09/2025</a:t>
+              <a:t>21/09/2025</a:t>
             </a:fld>
             <a:endParaRPr lang="nl-NL"/>
           </a:p>
@@ -3699,7 +3699,7 @@
         </p:nvSpPr>
         <p:spPr>
           <a:xfrm>
-            <a:off x="576000" y="576000"/>
+            <a:off x="576000" y="4500"/>
             <a:ext cx="11041200" cy="579455"/>
           </a:xfrm>
         </p:spPr>
@@ -3802,7 +3802,7 @@
           <a:p>
             <a:fld id="{F52CA13D-CC20-034F-8D4D-5C3038626ED9}" type="datetime1">
               <a:rPr lang="nl-BE" smtClean="0"/>
-              <a:t>20/09/2025</a:t>
+              <a:t>21/09/2025</a:t>
             </a:fld>
             <a:endParaRPr lang="nl-NL"/>
           </a:p>
@@ -3920,7 +3920,7 @@
         </p:nvSpPr>
         <p:spPr>
           <a:xfrm>
-            <a:off x="576000" y="576001"/>
+            <a:off x="576000" y="4501"/>
             <a:ext cx="11041200" cy="648000"/>
           </a:xfrm>
         </p:spPr>
@@ -4013,8 +4013,8 @@
         </p:nvSpPr>
         <p:spPr>
           <a:xfrm>
-            <a:off x="576000" y="1688400"/>
-            <a:ext cx="11006400" cy="4364246"/>
+            <a:off x="576000" y="811831"/>
+            <a:ext cx="11006400" cy="5240815"/>
           </a:xfrm>
         </p:spPr>
         <p:txBody>
@@ -4093,7 +4093,7 @@
           <a:p>
             <a:fld id="{F52CA13D-CC20-034F-8D4D-5C3038626ED9}" type="datetime1">
               <a:rPr lang="nl-BE" smtClean="0"/>
-              <a:t>20/09/2025</a:t>
+              <a:t>21/09/2025</a:t>
             </a:fld>
             <a:endParaRPr lang="nl-NL"/>
           </a:p>
@@ -4211,7 +4211,7 @@
         </p:nvSpPr>
         <p:spPr>
           <a:xfrm>
-            <a:off x="576000" y="576000"/>
+            <a:off x="576000" y="15930"/>
             <a:ext cx="11041200" cy="648001"/>
           </a:xfrm>
         </p:spPr>
@@ -4220,10 +4220,10 @@
           <a:lstStyle/>
           <a:p>
             <a:r>
-              <a:rPr lang="en-US"/>
+              <a:rPr lang="en-US" dirty="0"/>
               <a:t>Click to edit Master title style</a:t>
             </a:r>
-            <a:endParaRPr lang="en-GB"/>
+            <a:endParaRPr lang="en-GB" dirty="0"/>
           </a:p>
         </p:txBody>
       </p:sp>
@@ -4275,8 +4275,8 @@
         </p:nvSpPr>
         <p:spPr>
           <a:xfrm>
-            <a:off x="576000" y="1531620"/>
-            <a:ext cx="11006400" cy="4521026"/>
+            <a:off x="576000" y="868680"/>
+            <a:ext cx="11006400" cy="5183966"/>
           </a:xfrm>
         </p:spPr>
         <p:txBody>
@@ -4347,7 +4347,7 @@
           <a:p>
             <a:fld id="{F52CA13D-CC20-034F-8D4D-5C3038626ED9}" type="datetime1">
               <a:rPr lang="nl-BE" smtClean="0"/>
-              <a:t>20/09/2025</a:t>
+              <a:t>21/09/2025</a:t>
             </a:fld>
             <a:endParaRPr lang="nl-NL"/>
           </a:p>
@@ -4465,7 +4465,7 @@
         </p:nvSpPr>
         <p:spPr>
           <a:xfrm>
-            <a:off x="576000" y="576001"/>
+            <a:off x="576000" y="15931"/>
             <a:ext cx="11041200" cy="650366"/>
           </a:xfrm>
         </p:spPr>
@@ -4560,7 +4560,7 @@
           <a:p>
             <a:fld id="{D15822B7-9EF6-9542-AF10-CD505E021A84}" type="datetime1">
               <a:rPr lang="nl-BE" smtClean="0"/>
-              <a:t>20/09/2025</a:t>
+              <a:t>21/09/2025</a:t>
             </a:fld>
             <a:endParaRPr lang="nl-NL"/>
           </a:p>
@@ -4626,8 +4626,8 @@
         </p:nvSpPr>
         <p:spPr>
           <a:xfrm>
-            <a:off x="576000" y="2232000"/>
-            <a:ext cx="11006402" cy="3820646"/>
+            <a:off x="576000" y="708660"/>
+            <a:ext cx="11006402" cy="5343986"/>
           </a:xfrm>
         </p:spPr>
         <p:txBody>
@@ -4688,7 +4688,7 @@
         </p:nvSpPr>
         <p:spPr>
           <a:xfrm>
-            <a:off x="576000" y="576001"/>
+            <a:off x="576000" y="15931"/>
             <a:ext cx="11041200" cy="578430"/>
           </a:xfrm>
         </p:spPr>
@@ -4697,10 +4697,10 @@
           <a:lstStyle/>
           <a:p>
             <a:r>
-              <a:rPr lang="en-US"/>
+              <a:rPr lang="en-US" dirty="0"/>
               <a:t>Click to edit Master title style</a:t>
             </a:r>
-            <a:endParaRPr lang="en-GB"/>
+            <a:endParaRPr lang="en-GB" dirty="0"/>
           </a:p>
         </p:txBody>
       </p:sp>
@@ -4751,7 +4751,7 @@
           <a:p>
             <a:fld id="{D15822B7-9EF6-9542-AF10-CD505E021A84}" type="datetime1">
               <a:rPr lang="nl-BE" smtClean="0"/>
-              <a:t>20/09/2025</a:t>
+              <a:t>21/09/2025</a:t>
             </a:fld>
             <a:endParaRPr lang="nl-NL"/>
           </a:p>
@@ -4817,8 +4817,8 @@
         </p:nvSpPr>
         <p:spPr>
           <a:xfrm>
-            <a:off x="576000" y="2232000"/>
-            <a:ext cx="11006402" cy="3820646"/>
+            <a:off x="576000" y="765810"/>
+            <a:ext cx="11006402" cy="5286836"/>
           </a:xfrm>
         </p:spPr>
         <p:txBody>
@@ -4879,7 +4879,7 @@
         </p:nvSpPr>
         <p:spPr>
           <a:xfrm>
-            <a:off x="576000" y="576001"/>
+            <a:off x="576000" y="0"/>
             <a:ext cx="11041200" cy="647010"/>
           </a:xfrm>
         </p:spPr>
@@ -5109,7 +5109,7 @@
           <a:p>
             <a:fld id="{0C33DDE8-63FF-C642-9F3A-0B773DD34821}" type="datetime1">
               <a:rPr lang="nl-BE" smtClean="0"/>
-              <a:t>20/09/2025</a:t>
+              <a:t>21/09/2025</a:t>
             </a:fld>
             <a:endParaRPr lang="nl-NL"/>
           </a:p>
@@ -7308,6 +7308,26 @@
 </file>
 
 <file path=customXml/item1.xml><?xml version="1.0" encoding="utf-8"?>
+<p:properties xmlns:p="http://schemas.microsoft.com/office/2006/metadata/properties" xmlns:xsi="http://www.w3.org/2001/XMLSchema-instance" xmlns:pc="http://schemas.microsoft.com/office/infopath/2007/PartnerControls">
+  <documentManagement>
+    <lcf76f155ced4ddcb4097134ff3c332f xmlns="81d41a3b-f33d-4db6-b532-757106a7a2ae">
+      <Terms xmlns="http://schemas.microsoft.com/office/infopath/2007/PartnerControls"/>
+    </lcf76f155ced4ddcb4097134ff3c332f>
+    <TaxCatchAll xmlns="bf25a9bf-a811-4965-9d0a-b88059080fed" xsi:nil="true"/>
+  </documentManagement>
+</p:properties>
+</file>
+
+<file path=customXml/item2.xml><?xml version="1.0" encoding="utf-8"?>
+<?mso-contentType ?>
+<FormTemplates xmlns="http://schemas.microsoft.com/sharepoint/v3/contenttype/forms">
+  <Display>DocumentLibraryForm</Display>
+  <Edit>DocumentLibraryForm</Edit>
+  <New>DocumentLibraryForm</New>
+</FormTemplates>
+</file>
+
+<file path=customXml/item3.xml><?xml version="1.0" encoding="utf-8"?>
 <ct:contentTypeSchema xmlns:ct="http://schemas.microsoft.com/office/2006/metadata/contentType" xmlns:ma="http://schemas.microsoft.com/office/2006/metadata/properties/metaAttributes" ct:_="" ma:_="" ma:contentTypeName="Document" ma:contentTypeID="0x010100B8C495A181F81B4C9DE5AD85CD0F70D4" ma:contentTypeVersion="18" ma:contentTypeDescription="Een nieuw document maken." ma:contentTypeScope="" ma:versionID="6ba28a59cba4a02a693681f32745d77b">
   <xsd:schema xmlns:xsd="http://www.w3.org/2001/XMLSchema" xmlns:xs="http://www.w3.org/2001/XMLSchema" xmlns:p="http://schemas.microsoft.com/office/2006/metadata/properties" xmlns:ns2="81d41a3b-f33d-4db6-b532-757106a7a2ae" xmlns:ns3="bf25a9bf-a811-4965-9d0a-b88059080fed" targetNamespace="http://schemas.microsoft.com/office/2006/metadata/properties" ma:root="true" ma:fieldsID="b996b4a4c0d83f5cfec71b22aba921d2" ns2:_="" ns3:_="">
     <xsd:import namespace="81d41a3b-f33d-4db6-b532-757106a7a2ae"/>
@@ -7562,27 +7582,32 @@
 </ct:contentTypeSchema>
 </file>
 
-<file path=customXml/item2.xml><?xml version="1.0" encoding="utf-8"?>
-<?mso-contentType ?>
-<FormTemplates xmlns="http://schemas.microsoft.com/sharepoint/v3/contenttype/forms">
-  <Display>DocumentLibraryForm</Display>
-  <Edit>DocumentLibraryForm</Edit>
-  <New>DocumentLibraryForm</New>
-</FormTemplates>
+<file path=customXml/itemProps1.xml><?xml version="1.0" encoding="utf-8"?>
+<ds:datastoreItem xmlns:ds="http://schemas.openxmlformats.org/officeDocument/2006/customXml" ds:itemID="{5EE9034D-0B43-4AB0-9535-9A62DB37A999}">
+  <ds:schemaRefs>
+    <ds:schemaRef ds:uri="http://www.w3.org/XML/1998/namespace"/>
+    <ds:schemaRef ds:uri="81d41a3b-f33d-4db6-b532-757106a7a2ae"/>
+    <ds:schemaRef ds:uri="http://purl.org/dc/dcmitype/"/>
+    <ds:schemaRef ds:uri="http://purl.org/dc/elements/1.1/"/>
+    <ds:schemaRef ds:uri="http://schemas.microsoft.com/office/2006/documentManagement/types"/>
+    <ds:schemaRef ds:uri="bf25a9bf-a811-4965-9d0a-b88059080fed"/>
+    <ds:schemaRef ds:uri="http://purl.org/dc/terms/"/>
+    <ds:schemaRef ds:uri="http://schemas.microsoft.com/office/infopath/2007/PartnerControls"/>
+    <ds:schemaRef ds:uri="http://schemas.openxmlformats.org/package/2006/metadata/core-properties"/>
+    <ds:schemaRef ds:uri="http://schemas.microsoft.com/office/2006/metadata/properties"/>
+  </ds:schemaRefs>
+</ds:datastoreItem>
 </file>
 
-<file path=customXml/item3.xml><?xml version="1.0" encoding="utf-8"?>
-<p:properties xmlns:p="http://schemas.microsoft.com/office/2006/metadata/properties" xmlns:xsi="http://www.w3.org/2001/XMLSchema-instance" xmlns:pc="http://schemas.microsoft.com/office/infopath/2007/PartnerControls">
-  <documentManagement>
-    <lcf76f155ced4ddcb4097134ff3c332f xmlns="81d41a3b-f33d-4db6-b532-757106a7a2ae">
-      <Terms xmlns="http://schemas.microsoft.com/office/infopath/2007/PartnerControls"/>
-    </lcf76f155ced4ddcb4097134ff3c332f>
-    <TaxCatchAll xmlns="bf25a9bf-a811-4965-9d0a-b88059080fed" xsi:nil="true"/>
-  </documentManagement>
-</p:properties>
+<file path=customXml/itemProps2.xml><?xml version="1.0" encoding="utf-8"?>
+<ds:datastoreItem xmlns:ds="http://schemas.openxmlformats.org/officeDocument/2006/customXml" ds:itemID="{263A7949-1B93-457F-8888-53CC8A016F77}">
+  <ds:schemaRefs>
+    <ds:schemaRef ds:uri="http://schemas.microsoft.com/sharepoint/v3/contenttype/forms"/>
+  </ds:schemaRefs>
+</ds:datastoreItem>
 </file>
 
-<file path=customXml/itemProps1.xml><?xml version="1.0" encoding="utf-8"?>
+<file path=customXml/itemProps3.xml><?xml version="1.0" encoding="utf-8"?>
 <ds:datastoreItem xmlns:ds="http://schemas.openxmlformats.org/officeDocument/2006/customXml" ds:itemID="{2A270F01-48F1-4A41-8E26-ACAC66896963}">
   <ds:schemaRefs>
     <ds:schemaRef ds:uri="http://schemas.microsoft.com/office/2006/metadata/contentType"/>
@@ -7599,29 +7624,4 @@
     <ds:schemaRef ds:uri="http://schemas.microsoft.com/internal/obd"/>
   </ds:schemaRefs>
 </ds:datastoreItem>
-</file>
-
-<file path=customXml/itemProps2.xml><?xml version="1.0" encoding="utf-8"?>
-<ds:datastoreItem xmlns:ds="http://schemas.openxmlformats.org/officeDocument/2006/customXml" ds:itemID="{263A7949-1B93-457F-8888-53CC8A016F77}">
-  <ds:schemaRefs>
-    <ds:schemaRef ds:uri="http://schemas.microsoft.com/sharepoint/v3/contenttype/forms"/>
-  </ds:schemaRefs>
-</ds:datastoreItem>
-</file>
-
-<file path=customXml/itemProps3.xml><?xml version="1.0" encoding="utf-8"?>
-<ds:datastoreItem xmlns:ds="http://schemas.openxmlformats.org/officeDocument/2006/customXml" ds:itemID="{5EE9034D-0B43-4AB0-9535-9A62DB37A999}">
-  <ds:schemaRefs>
-    <ds:schemaRef ds:uri="http://www.w3.org/XML/1998/namespace"/>
-    <ds:schemaRef ds:uri="81d41a3b-f33d-4db6-b532-757106a7a2ae"/>
-    <ds:schemaRef ds:uri="http://purl.org/dc/dcmitype/"/>
-    <ds:schemaRef ds:uri="http://purl.org/dc/elements/1.1/"/>
-    <ds:schemaRef ds:uri="http://schemas.microsoft.com/office/2006/documentManagement/types"/>
-    <ds:schemaRef ds:uri="bf25a9bf-a811-4965-9d0a-b88059080fed"/>
-    <ds:schemaRef ds:uri="http://purl.org/dc/terms/"/>
-    <ds:schemaRef ds:uri="http://schemas.microsoft.com/office/infopath/2007/PartnerControls"/>
-    <ds:schemaRef ds:uri="http://schemas.openxmlformats.org/package/2006/metadata/core-properties"/>
-    <ds:schemaRef ds:uri="http://schemas.microsoft.com/office/2006/metadata/properties"/>
-  </ds:schemaRefs>
-</ds:datastoreItem>
 </file>
--- a/ToegepasteAnalogeElektronica/PowerPoint/transmissielijn.pptx
+++ b/ToegepasteAnalogeElektronica/PowerPoint/transmissielijn.pptx
@@ -6136,7 +6136,7 @@
         </p:blipFill>
         <p:spPr>
           <a:xfrm>
-            <a:off x="4624387" y="2084831"/>
+            <a:off x="4624387" y="868680"/>
             <a:ext cx="2943225" cy="1190625"/>
           </a:xfrm>
           <a:prstGeom prst="rect">
@@ -6224,7 +6224,7 @@
         </p:blipFill>
         <p:spPr>
           <a:xfrm>
-            <a:off x="5214937" y="2084831"/>
+            <a:off x="5214937" y="868680"/>
             <a:ext cx="1762125" cy="952500"/>
           </a:xfrm>
           <a:prstGeom prst="rect">

--- a/ToegepasteAnalogeElektronica/PowerPoint/transmissielijn.pptx
+++ b/ToegepasteAnalogeElektronica/PowerPoint/transmissielijn.pptx
@@ -5728,8 +5728,8 @@
         </p:blipFill>
         <p:spPr>
           <a:xfrm>
-            <a:off x="2683963" y="1179576"/>
-            <a:ext cx="6824073" cy="5029200"/>
+            <a:off x="2311741" y="566928"/>
+            <a:ext cx="7568518" cy="5577840"/>
           </a:xfrm>
           <a:prstGeom prst="rect">
             <a:avLst/>
@@ -5799,8 +5799,8 @@
         </p:blipFill>
         <p:spPr>
           <a:xfrm>
-            <a:off x="2687123" y="1179576"/>
-            <a:ext cx="6817754" cy="5029200"/>
+            <a:off x="2315246" y="566928"/>
+            <a:ext cx="7561508" cy="5577840"/>
           </a:xfrm>
           <a:prstGeom prst="rect">
             <a:avLst/>
@@ -5870,8 +5870,8 @@
         </p:blipFill>
         <p:spPr>
           <a:xfrm>
-            <a:off x="2695977" y="1179576"/>
-            <a:ext cx="6800045" cy="5029200"/>
+            <a:off x="2325066" y="566928"/>
+            <a:ext cx="7541868" cy="5577840"/>
           </a:xfrm>
           <a:prstGeom prst="rect">
             <a:avLst/>
@@ -5977,8 +5977,8 @@
         </p:blipFill>
         <p:spPr>
           <a:xfrm>
-            <a:off x="0" y="1179576"/>
-            <a:ext cx="12192000" cy="5029200"/>
+            <a:off x="0" y="566928"/>
+            <a:ext cx="12192000" cy="5577840"/>
           </a:xfrm>
           <a:prstGeom prst="rect">
             <a:avLst/>
@@ -6048,8 +6048,8 @@
         </p:blipFill>
         <p:spPr>
           <a:xfrm>
-            <a:off x="1360561" y="1179576"/>
-            <a:ext cx="9470877" cy="5029200"/>
+            <a:off x="843968" y="566928"/>
+            <a:ext cx="10504063" cy="5577840"/>
           </a:xfrm>
           <a:prstGeom prst="rect">
             <a:avLst/>
@@ -6295,8 +6295,8 @@
         </p:blipFill>
         <p:spPr>
           <a:xfrm>
-            <a:off x="2409340" y="1179576"/>
-            <a:ext cx="7373319" cy="5029200"/>
+            <a:off x="2007159" y="566928"/>
+            <a:ext cx="8177681" cy="5577840"/>
           </a:xfrm>
           <a:prstGeom prst="rect">
             <a:avLst/>
@@ -6366,8 +6366,8 @@
         </p:blipFill>
         <p:spPr>
           <a:xfrm>
-            <a:off x="3491721" y="1179576"/>
-            <a:ext cx="5208558" cy="5029200"/>
+            <a:off x="3207618" y="566928"/>
+            <a:ext cx="5776764" cy="5577840"/>
           </a:xfrm>
           <a:prstGeom prst="rect">
             <a:avLst/>
@@ -6437,8 +6437,8 @@
         </p:blipFill>
         <p:spPr>
           <a:xfrm>
-            <a:off x="1702846" y="1179576"/>
-            <a:ext cx="8786308" cy="5029200"/>
+            <a:off x="1223592" y="566928"/>
+            <a:ext cx="9744815" cy="5577840"/>
           </a:xfrm>
           <a:prstGeom prst="rect">
             <a:avLst/>
@@ -6508,8 +6508,8 @@
         </p:blipFill>
         <p:spPr>
           <a:xfrm>
-            <a:off x="2603993" y="1179576"/>
-            <a:ext cx="6984013" cy="5029200"/>
+            <a:off x="2223047" y="566928"/>
+            <a:ext cx="7745905" cy="5577840"/>
           </a:xfrm>
           <a:prstGeom prst="rect">
             <a:avLst/>

--- a/ToegepasteAnalogeElektronica/PowerPoint/transmissielijn.pptx
+++ b/ToegepasteAnalogeElektronica/PowerPoint/transmissielijn.pptx
@@ -1,6 +1,6 @@
 
 <file path=ppt/presentation.xml><?xml version="1.0" encoding="utf-8"?>
-<p:presentation xmlns:a="http://schemas.openxmlformats.org/drawingml/2006/main" xmlns:r="http://schemas.openxmlformats.org/officeDocument/2006/relationships" xmlns:p="http://schemas.openxmlformats.org/presentationml/2006/main" saveSubsetFonts="1" autoCompressPictures="0">
+<p:presentation xmlns:a="http://schemas.openxmlformats.org/drawingml/2006/main" xmlns:r="http://schemas.openxmlformats.org/officeDocument/2006/relationships" xmlns:p="http://schemas.openxmlformats.org/presentationml/2006/main" showSpecialPlsOnTitleSld="0" saveSubsetFonts="1" autoCompressPictures="0">
   <p:sldMasterIdLst>
     <p:sldMasterId id="2147483648" r:id="rId4"/>
   </p:sldMasterIdLst>
@@ -687,7 +687,7 @@
           <a:p>
             <a:fld id="{8F591CCF-F6FD-734B-854A-5BC033593B1E}" type="datetimeFigureOut">
               <a:rPr lang="nl-NL" smtClean="0"/>
-              <a:t>21-9-2025</a:t>
+              <a:t>28-9-2025</a:t>
             </a:fld>
             <a:endParaRPr lang="nl-NL"/>
           </a:p>
@@ -852,7 +852,7 @@
           <a:p>
             <a:fld id="{23C66214-DB21-4647-B5DA-0D17CA592867}" type="datetimeFigureOut">
               <a:rPr lang="nl-NL" smtClean="0"/>
-              <a:t>21-9-2025</a:t>
+              <a:t>28-9-2025</a:t>
             </a:fld>
             <a:endParaRPr lang="nl-NL"/>
           </a:p>
@@ -1461,9 +1461,9 @@
           <a:bodyPr/>
           <a:lstStyle/>
           <a:p>
-            <a:fld id="{D15822B7-9EF6-9542-AF10-CD505E021A84}" type="datetime1">
+            <a:fld id="{39E7E716-59E8-42BC-97BF-DDA9E59ADEE7}" type="datetime1">
               <a:rPr lang="nl-BE" smtClean="0"/>
-              <a:t>21/09/2025</a:t>
+              <a:t>28/09/2025</a:t>
             </a:fld>
             <a:endParaRPr lang="nl-NL"/>
           </a:p>
@@ -1495,7 +1495,7 @@
           <a:bodyPr/>
           <a:lstStyle/>
           <a:p>
-            <a:endParaRPr lang="nl-NL"/>
+            <a:endParaRPr lang="nl-NL" dirty="0"/>
           </a:p>
         </p:txBody>
       </p:sp>
@@ -1711,9 +1711,9 @@
           <a:bodyPr/>
           <a:lstStyle/>
           <a:p>
-            <a:fld id="{D15822B7-9EF6-9542-AF10-CD505E021A84}" type="datetime1">
+            <a:fld id="{68285E84-F3E9-4DE0-AF5C-DC32311C51B6}" type="datetime1">
               <a:rPr lang="nl-BE" smtClean="0"/>
-              <a:t>21/09/2025</a:t>
+              <a:t>28/09/2025</a:t>
             </a:fld>
             <a:endParaRPr lang="nl-NL"/>
           </a:p>
@@ -1994,9 +1994,9 @@
           <a:bodyPr/>
           <a:lstStyle/>
           <a:p>
-            <a:fld id="{F52CA13D-CC20-034F-8D4D-5C3038626ED9}" type="datetime1">
+            <a:fld id="{86D712DB-13D1-48DF-8D74-EA2A0D6A1295}" type="datetime1">
               <a:rPr lang="nl-BE" smtClean="0"/>
-              <a:t>21/09/2025</a:t>
+              <a:t>28/09/2025</a:t>
             </a:fld>
             <a:endParaRPr lang="nl-NL"/>
           </a:p>
@@ -2346,9 +2346,9 @@
           <a:bodyPr/>
           <a:lstStyle/>
           <a:p>
-            <a:fld id="{F52CA13D-CC20-034F-8D4D-5C3038626ED9}" type="datetime1">
+            <a:fld id="{EE55F63B-E5C2-47C9-B767-96A09BC63624}" type="datetime1">
               <a:rPr lang="nl-BE" smtClean="0"/>
-              <a:t>21/09/2025</a:t>
+              <a:t>28/09/2025</a:t>
             </a:fld>
             <a:endParaRPr lang="nl-NL"/>
           </a:p>
@@ -3579,9 +3579,9 @@
           <a:bodyPr/>
           <a:lstStyle/>
           <a:p>
-            <a:fld id="{F52CA13D-CC20-034F-8D4D-5C3038626ED9}" type="datetime1">
+            <a:fld id="{0445AAF3-F212-43BB-932B-DD1A31841819}" type="datetime1">
               <a:rPr lang="nl-BE" smtClean="0"/>
-              <a:t>21/09/2025</a:t>
+              <a:t>28/09/2025</a:t>
             </a:fld>
             <a:endParaRPr lang="nl-NL"/>
           </a:p>
@@ -3800,9 +3800,9 @@
           <a:bodyPr/>
           <a:lstStyle/>
           <a:p>
-            <a:fld id="{F52CA13D-CC20-034F-8D4D-5C3038626ED9}" type="datetime1">
+            <a:fld id="{215EBCC0-C3A3-417F-962F-876AE60FF46F}" type="datetime1">
               <a:rPr lang="nl-BE" smtClean="0"/>
-              <a:t>21/09/2025</a:t>
+              <a:t>28/09/2025</a:t>
             </a:fld>
             <a:endParaRPr lang="nl-NL"/>
           </a:p>
@@ -4091,9 +4091,9 @@
           <a:bodyPr/>
           <a:lstStyle/>
           <a:p>
-            <a:fld id="{F52CA13D-CC20-034F-8D4D-5C3038626ED9}" type="datetime1">
+            <a:fld id="{5087A35E-C6EC-4A6C-A286-9B263B20AC20}" type="datetime1">
               <a:rPr lang="nl-BE" smtClean="0"/>
-              <a:t>21/09/2025</a:t>
+              <a:t>28/09/2025</a:t>
             </a:fld>
             <a:endParaRPr lang="nl-NL"/>
           </a:p>
@@ -4345,9 +4345,9 @@
           <a:bodyPr/>
           <a:lstStyle/>
           <a:p>
-            <a:fld id="{F52CA13D-CC20-034F-8D4D-5C3038626ED9}" type="datetime1">
+            <a:fld id="{4B9B00E3-DE57-4EA4-A886-8AA88F9577D7}" type="datetime1">
               <a:rPr lang="nl-BE" smtClean="0"/>
-              <a:t>21/09/2025</a:t>
+              <a:t>28/09/2025</a:t>
             </a:fld>
             <a:endParaRPr lang="nl-NL"/>
           </a:p>
@@ -4558,9 +4558,9 @@
           <a:bodyPr/>
           <a:lstStyle/>
           <a:p>
-            <a:fld id="{D15822B7-9EF6-9542-AF10-CD505E021A84}" type="datetime1">
+            <a:fld id="{1631A466-BC4F-407D-A3EA-76F6655478F0}" type="datetime1">
               <a:rPr lang="nl-BE" smtClean="0"/>
-              <a:t>21/09/2025</a:t>
+              <a:t>28/09/2025</a:t>
             </a:fld>
             <a:endParaRPr lang="nl-NL"/>
           </a:p>
@@ -4749,9 +4749,9 @@
           <a:bodyPr/>
           <a:lstStyle/>
           <a:p>
-            <a:fld id="{D15822B7-9EF6-9542-AF10-CD505E021A84}" type="datetime1">
+            <a:fld id="{7CF5F32B-E94B-420F-86D9-59A9E32E05E1}" type="datetime1">
               <a:rPr lang="nl-BE" smtClean="0"/>
-              <a:t>21/09/2025</a:t>
+              <a:t>28/09/2025</a:t>
             </a:fld>
             <a:endParaRPr lang="nl-NL"/>
           </a:p>
@@ -5107,9 +5107,9 @@
             </a:lvl1pPr>
           </a:lstStyle>
           <a:p>
-            <a:fld id="{0C33DDE8-63FF-C642-9F3A-0B773DD34821}" type="datetime1">
+            <a:fld id="{341CC9F9-C2CE-4031-804C-1F2576E1A82A}" type="datetime1">
               <a:rPr lang="nl-BE" smtClean="0"/>
-              <a:t>21/09/2025</a:t>
+              <a:t>28/09/2025</a:t>
             </a:fld>
             <a:endParaRPr lang="nl-NL"/>
           </a:p>
@@ -5245,7 +5245,7 @@
     <p:sldLayoutId id="2147483670" r:id="rId12"/>
     <p:sldLayoutId id="2147483651" r:id="rId13"/>
   </p:sldLayoutIdLst>
-  <p:hf hdr="0" ftr="0" dt="0"/>
+  <p:hf hdr="0" dt="0"/>
   <p:txStyles>
     <p:titleStyle>
       <a:lvl1pPr algn="l" defTabSz="914400" rtl="0" eaLnBrk="1" latinLnBrk="0" hangingPunct="1">
@@ -7308,26 +7308,6 @@
 </file>
 
 <file path=customXml/item1.xml><?xml version="1.0" encoding="utf-8"?>
-<p:properties xmlns:p="http://schemas.microsoft.com/office/2006/metadata/properties" xmlns:xsi="http://www.w3.org/2001/XMLSchema-instance" xmlns:pc="http://schemas.microsoft.com/office/infopath/2007/PartnerControls">
-  <documentManagement>
-    <lcf76f155ced4ddcb4097134ff3c332f xmlns="81d41a3b-f33d-4db6-b532-757106a7a2ae">
-      <Terms xmlns="http://schemas.microsoft.com/office/infopath/2007/PartnerControls"/>
-    </lcf76f155ced4ddcb4097134ff3c332f>
-    <TaxCatchAll xmlns="bf25a9bf-a811-4965-9d0a-b88059080fed" xsi:nil="true"/>
-  </documentManagement>
-</p:properties>
-</file>
-
-<file path=customXml/item2.xml><?xml version="1.0" encoding="utf-8"?>
-<?mso-contentType ?>
-<FormTemplates xmlns="http://schemas.microsoft.com/sharepoint/v3/contenttype/forms">
-  <Display>DocumentLibraryForm</Display>
-  <Edit>DocumentLibraryForm</Edit>
-  <New>DocumentLibraryForm</New>
-</FormTemplates>
-</file>
-
-<file path=customXml/item3.xml><?xml version="1.0" encoding="utf-8"?>
 <ct:contentTypeSchema xmlns:ct="http://schemas.microsoft.com/office/2006/metadata/contentType" xmlns:ma="http://schemas.microsoft.com/office/2006/metadata/properties/metaAttributes" ct:_="" ma:_="" ma:contentTypeName="Document" ma:contentTypeID="0x010100B8C495A181F81B4C9DE5AD85CD0F70D4" ma:contentTypeVersion="18" ma:contentTypeDescription="Een nieuw document maken." ma:contentTypeScope="" ma:versionID="6ba28a59cba4a02a693681f32745d77b">
   <xsd:schema xmlns:xsd="http://www.w3.org/2001/XMLSchema" xmlns:xs="http://www.w3.org/2001/XMLSchema" xmlns:p="http://schemas.microsoft.com/office/2006/metadata/properties" xmlns:ns2="81d41a3b-f33d-4db6-b532-757106a7a2ae" xmlns:ns3="bf25a9bf-a811-4965-9d0a-b88059080fed" targetNamespace="http://schemas.microsoft.com/office/2006/metadata/properties" ma:root="true" ma:fieldsID="b996b4a4c0d83f5cfec71b22aba921d2" ns2:_="" ns3:_="">
     <xsd:import namespace="81d41a3b-f33d-4db6-b532-757106a7a2ae"/>
@@ -7582,32 +7562,27 @@
 </ct:contentTypeSchema>
 </file>
 
-<file path=customXml/itemProps1.xml><?xml version="1.0" encoding="utf-8"?>
-<ds:datastoreItem xmlns:ds="http://schemas.openxmlformats.org/officeDocument/2006/customXml" ds:itemID="{5EE9034D-0B43-4AB0-9535-9A62DB37A999}">
-  <ds:schemaRefs>
-    <ds:schemaRef ds:uri="http://www.w3.org/XML/1998/namespace"/>
-    <ds:schemaRef ds:uri="81d41a3b-f33d-4db6-b532-757106a7a2ae"/>
-    <ds:schemaRef ds:uri="http://purl.org/dc/dcmitype/"/>
-    <ds:schemaRef ds:uri="http://purl.org/dc/elements/1.1/"/>
-    <ds:schemaRef ds:uri="http://schemas.microsoft.com/office/2006/documentManagement/types"/>
-    <ds:schemaRef ds:uri="bf25a9bf-a811-4965-9d0a-b88059080fed"/>
-    <ds:schemaRef ds:uri="http://purl.org/dc/terms/"/>
-    <ds:schemaRef ds:uri="http://schemas.microsoft.com/office/infopath/2007/PartnerControls"/>
-    <ds:schemaRef ds:uri="http://schemas.openxmlformats.org/package/2006/metadata/core-properties"/>
-    <ds:schemaRef ds:uri="http://schemas.microsoft.com/office/2006/metadata/properties"/>
-  </ds:schemaRefs>
-</ds:datastoreItem>
+<file path=customXml/item2.xml><?xml version="1.0" encoding="utf-8"?>
+<?mso-contentType ?>
+<FormTemplates xmlns="http://schemas.microsoft.com/sharepoint/v3/contenttype/forms">
+  <Display>DocumentLibraryForm</Display>
+  <Edit>DocumentLibraryForm</Edit>
+  <New>DocumentLibraryForm</New>
+</FormTemplates>
 </file>
 
-<file path=customXml/itemProps2.xml><?xml version="1.0" encoding="utf-8"?>
-<ds:datastoreItem xmlns:ds="http://schemas.openxmlformats.org/officeDocument/2006/customXml" ds:itemID="{263A7949-1B93-457F-8888-53CC8A016F77}">
-  <ds:schemaRefs>
-    <ds:schemaRef ds:uri="http://schemas.microsoft.com/sharepoint/v3/contenttype/forms"/>
-  </ds:schemaRefs>
-</ds:datastoreItem>
+<file path=customXml/item3.xml><?xml version="1.0" encoding="utf-8"?>
+<p:properties xmlns:p="http://schemas.microsoft.com/office/2006/metadata/properties" xmlns:xsi="http://www.w3.org/2001/XMLSchema-instance" xmlns:pc="http://schemas.microsoft.com/office/infopath/2007/PartnerControls">
+  <documentManagement>
+    <lcf76f155ced4ddcb4097134ff3c332f xmlns="81d41a3b-f33d-4db6-b532-757106a7a2ae">
+      <Terms xmlns="http://schemas.microsoft.com/office/infopath/2007/PartnerControls"/>
+    </lcf76f155ced4ddcb4097134ff3c332f>
+    <TaxCatchAll xmlns="bf25a9bf-a811-4965-9d0a-b88059080fed" xsi:nil="true"/>
+  </documentManagement>
+</p:properties>
 </file>
 
-<file path=customXml/itemProps3.xml><?xml version="1.0" encoding="utf-8"?>
+<file path=customXml/itemProps1.xml><?xml version="1.0" encoding="utf-8"?>
 <ds:datastoreItem xmlns:ds="http://schemas.openxmlformats.org/officeDocument/2006/customXml" ds:itemID="{2A270F01-48F1-4A41-8E26-ACAC66896963}">
   <ds:schemaRefs>
     <ds:schemaRef ds:uri="http://schemas.microsoft.com/office/2006/metadata/contentType"/>
@@ -7624,4 +7599,29 @@
     <ds:schemaRef ds:uri="http://schemas.microsoft.com/internal/obd"/>
   </ds:schemaRefs>
 </ds:datastoreItem>
+</file>
+
+<file path=customXml/itemProps2.xml><?xml version="1.0" encoding="utf-8"?>
+<ds:datastoreItem xmlns:ds="http://schemas.openxmlformats.org/officeDocument/2006/customXml" ds:itemID="{263A7949-1B93-457F-8888-53CC8A016F77}">
+  <ds:schemaRefs>
+    <ds:schemaRef ds:uri="http://schemas.microsoft.com/sharepoint/v3/contenttype/forms"/>
+  </ds:schemaRefs>
+</ds:datastoreItem>
+</file>
+
+<file path=customXml/itemProps3.xml><?xml version="1.0" encoding="utf-8"?>
+<ds:datastoreItem xmlns:ds="http://schemas.openxmlformats.org/officeDocument/2006/customXml" ds:itemID="{5EE9034D-0B43-4AB0-9535-9A62DB37A999}">
+  <ds:schemaRefs>
+    <ds:schemaRef ds:uri="http://www.w3.org/XML/1998/namespace"/>
+    <ds:schemaRef ds:uri="81d41a3b-f33d-4db6-b532-757106a7a2ae"/>
+    <ds:schemaRef ds:uri="http://purl.org/dc/dcmitype/"/>
+    <ds:schemaRef ds:uri="http://purl.org/dc/elements/1.1/"/>
+    <ds:schemaRef ds:uri="http://schemas.microsoft.com/office/2006/documentManagement/types"/>
+    <ds:schemaRef ds:uri="bf25a9bf-a811-4965-9d0a-b88059080fed"/>
+    <ds:schemaRef ds:uri="http://purl.org/dc/terms/"/>
+    <ds:schemaRef ds:uri="http://schemas.microsoft.com/office/infopath/2007/PartnerControls"/>
+    <ds:schemaRef ds:uri="http://schemas.openxmlformats.org/package/2006/metadata/core-properties"/>
+    <ds:schemaRef ds:uri="http://schemas.microsoft.com/office/2006/metadata/properties"/>
+  </ds:schemaRefs>
+</ds:datastoreItem>
 </file>
--- a/ToegepasteAnalogeElektronica/PowerPoint/transmissielijn.pptx
+++ b/ToegepasteAnalogeElektronica/PowerPoint/transmissielijn.pptx
@@ -5728,8 +5728,8 @@
         </p:blipFill>
         <p:spPr>
           <a:xfrm>
-            <a:off x="2311741" y="566928"/>
-            <a:ext cx="7568518" cy="5577840"/>
+            <a:off x="2249704" y="566928"/>
+            <a:ext cx="7692592" cy="5669280"/>
           </a:xfrm>
           <a:prstGeom prst="rect">
             <a:avLst/>
@@ -5799,8 +5799,8 @@
         </p:blipFill>
         <p:spPr>
           <a:xfrm>
-            <a:off x="2315246" y="566928"/>
-            <a:ext cx="7561508" cy="5577840"/>
+            <a:off x="2253266" y="566928"/>
+            <a:ext cx="7685468" cy="5669280"/>
           </a:xfrm>
           <a:prstGeom prst="rect">
             <a:avLst/>
@@ -5870,8 +5870,8 @@
         </p:blipFill>
         <p:spPr>
           <a:xfrm>
-            <a:off x="2325066" y="566928"/>
-            <a:ext cx="7541868" cy="5577840"/>
+            <a:off x="2263247" y="566928"/>
+            <a:ext cx="7665505" cy="5669280"/>
           </a:xfrm>
           <a:prstGeom prst="rect">
             <a:avLst/>
@@ -5978,7 +5978,7 @@
         <p:spPr>
           <a:xfrm>
             <a:off x="0" y="566928"/>
-            <a:ext cx="12192000" cy="5577840"/>
+            <a:ext cx="12192000" cy="5669280"/>
           </a:xfrm>
           <a:prstGeom prst="rect">
             <a:avLst/>
@@ -6048,8 +6048,8 @@
         </p:blipFill>
         <p:spPr>
           <a:xfrm>
-            <a:off x="843968" y="566928"/>
-            <a:ext cx="10504063" cy="5577840"/>
+            <a:off x="757869" y="566928"/>
+            <a:ext cx="10676261" cy="5669280"/>
           </a:xfrm>
           <a:prstGeom prst="rect">
             <a:avLst/>
@@ -6136,7 +6136,7 @@
         </p:blipFill>
         <p:spPr>
           <a:xfrm>
-            <a:off x="4624387" y="868680"/>
+            <a:off x="4624387" y="566928"/>
             <a:ext cx="2943225" cy="1190625"/>
           </a:xfrm>
           <a:prstGeom prst="rect">
@@ -6224,7 +6224,7 @@
         </p:blipFill>
         <p:spPr>
           <a:xfrm>
-            <a:off x="5214937" y="868680"/>
+            <a:off x="5214937" y="566928"/>
             <a:ext cx="1762125" cy="952500"/>
           </a:xfrm>
           <a:prstGeom prst="rect">
@@ -6295,8 +6295,8 @@
         </p:blipFill>
         <p:spPr>
           <a:xfrm>
-            <a:off x="2007159" y="566928"/>
-            <a:ext cx="8177681" cy="5577840"/>
+            <a:off x="1940129" y="566928"/>
+            <a:ext cx="8311741" cy="5669280"/>
           </a:xfrm>
           <a:prstGeom prst="rect">
             <a:avLst/>
@@ -6366,8 +6366,8 @@
         </p:blipFill>
         <p:spPr>
           <a:xfrm>
-            <a:off x="3207618" y="566928"/>
-            <a:ext cx="5776764" cy="5577840"/>
+            <a:off x="3160267" y="566928"/>
+            <a:ext cx="5871465" cy="5669280"/>
           </a:xfrm>
           <a:prstGeom prst="rect">
             <a:avLst/>
@@ -6437,8 +6437,8 @@
         </p:blipFill>
         <p:spPr>
           <a:xfrm>
-            <a:off x="1223592" y="566928"/>
-            <a:ext cx="9744815" cy="5577840"/>
+            <a:off x="1143717" y="566928"/>
+            <a:ext cx="9904566" cy="5669280"/>
           </a:xfrm>
           <a:prstGeom prst="rect">
             <a:avLst/>
@@ -6508,8 +6508,8 @@
         </p:blipFill>
         <p:spPr>
           <a:xfrm>
-            <a:off x="2223047" y="566928"/>
-            <a:ext cx="7745905" cy="5577840"/>
+            <a:off x="2159556" y="566928"/>
+            <a:ext cx="7872887" cy="5669280"/>
           </a:xfrm>
           <a:prstGeom prst="rect">
             <a:avLst/>

--- a/ToegepasteAnalogeElektronica/PowerPoint/transmissielijn.pptx
+++ b/ToegepasteAnalogeElektronica/PowerPoint/transmissielijn.pptx
@@ -6086,9 +6086,23 @@
         </p:nvSpPr>
         <p:spPr/>
         <p:txBody>
-          <a:bodyPr/>
+          <a:bodyPr>
+            <a:spAutoFit/>
+          </a:bodyPr>
           <a:lstStyle/>
           <a:p/>
+          <a:p>
+            <a:pPr/>
+            <a:r>
+              <a:t/>
+            </a:r>
+            <a:r>
+              <a:t> Z_o=\sqrt{\frac{j \omega L+R}{j \omega C+g}}</a:t>
+            </a:r>
+            <a:r>
+              <a:t/>
+            </a:r>
+          </a:p>
         </p:txBody>
       </p:sp>
       <p:sp>
@@ -6120,30 +6134,6 @@
           </a:p>
         </p:txBody>
       </p:sp>
-      <p:pic>
-        <p:nvPicPr>
-          <p:cNvPr id="4" name="Picture 3" descr="image.png"/>
-          <p:cNvPicPr>
-            <a:picLocks noChangeAspect="1"/>
-          </p:cNvPicPr>
-          <p:nvPr/>
-        </p:nvPicPr>
-        <p:blipFill>
-          <a:blip r:embed="rId2"/>
-          <a:stretch>
-            <a:fillRect/>
-          </a:stretch>
-        </p:blipFill>
-        <p:spPr>
-          <a:xfrm>
-            <a:off x="4624387" y="566928"/>
-            <a:ext cx="2943225" cy="1190625"/>
-          </a:xfrm>
-          <a:prstGeom prst="rect">
-            <a:avLst/>
-          </a:prstGeom>
-        </p:spPr>
-      </p:pic>
     </p:spTree>
   </p:cSld>
   <p:clrMapOvr>
@@ -6174,9 +6164,23 @@
         </p:nvSpPr>
         <p:spPr/>
         <p:txBody>
-          <a:bodyPr/>
+          <a:bodyPr>
+            <a:spAutoFit/>
+          </a:bodyPr>
           <a:lstStyle/>
           <a:p/>
+          <a:p>
+            <a:pPr/>
+            <a:r>
+              <a:t/>
+            </a:r>
+            <a:r>
+              <a:t> Z_o \approx \sqrt{\frac{L}{C}}</a:t>
+            </a:r>
+            <a:r>
+              <a:t/>
+            </a:r>
+          </a:p>
         </p:txBody>
       </p:sp>
       <p:sp>
@@ -6208,30 +6212,6 @@
           </a:p>
         </p:txBody>
       </p:sp>
-      <p:pic>
-        <p:nvPicPr>
-          <p:cNvPr id="4" name="Picture 3" descr="image.png"/>
-          <p:cNvPicPr>
-            <a:picLocks noChangeAspect="1"/>
-          </p:cNvPicPr>
-          <p:nvPr/>
-        </p:nvPicPr>
-        <p:blipFill>
-          <a:blip r:embed="rId2"/>
-          <a:stretch>
-            <a:fillRect/>
-          </a:stretch>
-        </p:blipFill>
-        <p:spPr>
-          <a:xfrm>
-            <a:off x="5214937" y="566928"/>
-            <a:ext cx="1762125" cy="952500"/>
-          </a:xfrm>
-          <a:prstGeom prst="rect">
-            <a:avLst/>
-          </a:prstGeom>
-        </p:spPr>
-      </p:pic>
     </p:spTree>
   </p:cSld>
   <p:clrMapOvr>
